--- a/model/素材/2.2.2_ユースケース記述.pptx
+++ b/model/素材/2.2.2_ユースケース記述.pptx
@@ -259,7 +259,7 @@
           <a:p>
             <a:fld id="{D19E4E15-3BC5-45B9-8454-684F40C4C011}" type="datetimeFigureOut">
               <a:rPr kumimoji="1" lang="ja-JP" altLang="en-US" smtClean="0"/>
-              <a:t>2025/8/6</a:t>
+              <a:t>2025/8/9</a:t>
             </a:fld>
             <a:endParaRPr kumimoji="1" lang="ja-JP" altLang="en-US"/>
           </a:p>
@@ -489,7 +489,7 @@
           <a:p>
             <a:fld id="{D19E4E15-3BC5-45B9-8454-684F40C4C011}" type="datetimeFigureOut">
               <a:rPr kumimoji="1" lang="ja-JP" altLang="en-US" smtClean="0"/>
-              <a:t>2025/8/6</a:t>
+              <a:t>2025/8/9</a:t>
             </a:fld>
             <a:endParaRPr kumimoji="1" lang="ja-JP" altLang="en-US"/>
           </a:p>
@@ -729,7 +729,7 @@
           <a:p>
             <a:fld id="{D19E4E15-3BC5-45B9-8454-684F40C4C011}" type="datetimeFigureOut">
               <a:rPr kumimoji="1" lang="ja-JP" altLang="en-US" smtClean="0"/>
-              <a:t>2025/8/6</a:t>
+              <a:t>2025/8/9</a:t>
             </a:fld>
             <a:endParaRPr kumimoji="1" lang="ja-JP" altLang="en-US"/>
           </a:p>
@@ -959,7 +959,7 @@
           <a:p>
             <a:fld id="{D19E4E15-3BC5-45B9-8454-684F40C4C011}" type="datetimeFigureOut">
               <a:rPr kumimoji="1" lang="ja-JP" altLang="en-US" smtClean="0"/>
-              <a:t>2025/8/6</a:t>
+              <a:t>2025/8/9</a:t>
             </a:fld>
             <a:endParaRPr kumimoji="1" lang="ja-JP" altLang="en-US"/>
           </a:p>
@@ -1234,7 +1234,7 @@
           <a:p>
             <a:fld id="{D19E4E15-3BC5-45B9-8454-684F40C4C011}" type="datetimeFigureOut">
               <a:rPr kumimoji="1" lang="ja-JP" altLang="en-US" smtClean="0"/>
-              <a:t>2025/8/6</a:t>
+              <a:t>2025/8/9</a:t>
             </a:fld>
             <a:endParaRPr kumimoji="1" lang="ja-JP" altLang="en-US"/>
           </a:p>
@@ -1563,7 +1563,7 @@
           <a:p>
             <a:fld id="{D19E4E15-3BC5-45B9-8454-684F40C4C011}" type="datetimeFigureOut">
               <a:rPr kumimoji="1" lang="ja-JP" altLang="en-US" smtClean="0"/>
-              <a:t>2025/8/6</a:t>
+              <a:t>2025/8/9</a:t>
             </a:fld>
             <a:endParaRPr kumimoji="1" lang="ja-JP" altLang="en-US"/>
           </a:p>
@@ -2039,7 +2039,7 @@
           <a:p>
             <a:fld id="{D19E4E15-3BC5-45B9-8454-684F40C4C011}" type="datetimeFigureOut">
               <a:rPr kumimoji="1" lang="ja-JP" altLang="en-US" smtClean="0"/>
-              <a:t>2025/8/6</a:t>
+              <a:t>2025/8/9</a:t>
             </a:fld>
             <a:endParaRPr kumimoji="1" lang="ja-JP" altLang="en-US"/>
           </a:p>
@@ -2180,7 +2180,7 @@
           <a:p>
             <a:fld id="{D19E4E15-3BC5-45B9-8454-684F40C4C011}" type="datetimeFigureOut">
               <a:rPr kumimoji="1" lang="ja-JP" altLang="en-US" smtClean="0"/>
-              <a:t>2025/8/6</a:t>
+              <a:t>2025/8/9</a:t>
             </a:fld>
             <a:endParaRPr kumimoji="1" lang="ja-JP" altLang="en-US"/>
           </a:p>
@@ -2293,7 +2293,7 @@
           <a:p>
             <a:fld id="{D19E4E15-3BC5-45B9-8454-684F40C4C011}" type="datetimeFigureOut">
               <a:rPr kumimoji="1" lang="ja-JP" altLang="en-US" smtClean="0"/>
-              <a:t>2025/8/6</a:t>
+              <a:t>2025/8/9</a:t>
             </a:fld>
             <a:endParaRPr kumimoji="1" lang="ja-JP" altLang="en-US"/>
           </a:p>
@@ -2636,7 +2636,7 @@
           <a:p>
             <a:fld id="{D19E4E15-3BC5-45B9-8454-684F40C4C011}" type="datetimeFigureOut">
               <a:rPr kumimoji="1" lang="ja-JP" altLang="en-US" smtClean="0"/>
-              <a:t>2025/8/6</a:t>
+              <a:t>2025/8/9</a:t>
             </a:fld>
             <a:endParaRPr kumimoji="1" lang="ja-JP" altLang="en-US"/>
           </a:p>
@@ -2924,7 +2924,7 @@
           <a:p>
             <a:fld id="{D19E4E15-3BC5-45B9-8454-684F40C4C011}" type="datetimeFigureOut">
               <a:rPr kumimoji="1" lang="ja-JP" altLang="en-US" smtClean="0"/>
-              <a:t>2025/8/6</a:t>
+              <a:t>2025/8/9</a:t>
             </a:fld>
             <a:endParaRPr kumimoji="1" lang="ja-JP" altLang="en-US"/>
           </a:p>
@@ -3197,7 +3197,7 @@
           <a:p>
             <a:fld id="{D19E4E15-3BC5-45B9-8454-684F40C4C011}" type="datetimeFigureOut">
               <a:rPr kumimoji="1" lang="ja-JP" altLang="en-US" smtClean="0"/>
-              <a:t>2025/8/6</a:t>
+              <a:t>2025/8/9</a:t>
             </a:fld>
             <a:endParaRPr kumimoji="1" lang="ja-JP" altLang="en-US"/>
           </a:p>
@@ -3629,14 +3629,14 @@
           <p:nvPr>
             <p:extLst>
               <p:ext uri="{D42A27DB-BD31-4B8C-83A1-F6EECF244321}">
-                <p14:modId xmlns:p14="http://schemas.microsoft.com/office/powerpoint/2010/main" val="3460065164"/>
+                <p14:modId xmlns:p14="http://schemas.microsoft.com/office/powerpoint/2010/main" val="1695954223"/>
               </p:ext>
             </p:extLst>
           </p:nvPr>
         </p:nvGraphicFramePr>
         <p:xfrm>
-          <a:off x="2048042" y="365760"/>
-          <a:ext cx="3310021" cy="6126480"/>
+          <a:off x="1974890" y="67056"/>
+          <a:ext cx="3127462" cy="6522720"/>
         </p:xfrm>
         <a:graphic>
           <a:graphicData uri="http://schemas.openxmlformats.org/drawingml/2006/table">
@@ -3645,14 +3645,14 @@
                 <a:tableStyleId>{5C22544A-7EE6-4342-B048-85BDC9FD1C3A}</a:tableStyleId>
               </a:tblPr>
               <a:tblGrid>
-                <a:gridCol w="679116">
+                <a:gridCol w="792694">
                   <a:extLst>
                     <a:ext uri="{9D8B030D-6E8A-4147-A177-3AD203B41FA5}">
                       <a16:colId xmlns:a16="http://schemas.microsoft.com/office/drawing/2014/main" val="96474671"/>
                     </a:ext>
                   </a:extLst>
                 </a:gridCol>
-                <a:gridCol w="2630905">
+                <a:gridCol w="2334768">
                   <a:extLst>
                     <a:ext uri="{9D8B030D-6E8A-4147-A177-3AD203B41FA5}">
                       <a16:colId xmlns:a16="http://schemas.microsoft.com/office/drawing/2014/main" val="2101071696"/>
@@ -3667,14 +3667,14 @@
                     <a:lstStyle/>
                     <a:p>
                       <a:r>
-                        <a:rPr kumimoji="1" lang="ja-JP" altLang="en-US" sz="1200" dirty="0"/>
+                        <a:rPr kumimoji="1" lang="ja-JP" altLang="en-US" sz="1100" dirty="0"/>
                         <a:t>ユース</a:t>
                       </a:r>
-                      <a:endParaRPr kumimoji="1" lang="en-US" altLang="ja-JP" sz="1200" dirty="0"/>
+                      <a:endParaRPr kumimoji="1" lang="en-US" altLang="ja-JP" sz="1100" dirty="0"/>
                     </a:p>
                     <a:p>
                       <a:r>
-                        <a:rPr kumimoji="1" lang="ja-JP" altLang="en-US" sz="1200" dirty="0"/>
+                        <a:rPr kumimoji="1" lang="ja-JP" altLang="en-US" sz="1100" dirty="0"/>
                         <a:t>ケース名</a:t>
                       </a:r>
                     </a:p>
@@ -3687,10 +3687,10 @@
                     <a:lstStyle/>
                     <a:p>
                       <a:r>
-                        <a:rPr kumimoji="1" lang="ja-JP" altLang="en-US" sz="1200" dirty="0"/>
+                        <a:rPr kumimoji="1" lang="ja-JP" altLang="en-US" sz="1100" dirty="0"/>
                         <a:t>バーチャル運転手に目的地までの運転を依頼する</a:t>
                       </a:r>
-                      <a:endParaRPr kumimoji="1" lang="en-US" altLang="ja-JP" sz="1200" dirty="0"/>
+                      <a:endParaRPr kumimoji="1" lang="en-US" altLang="ja-JP" sz="1100" dirty="0"/>
                     </a:p>
                   </a:txBody>
                   <a:tcPr/>
@@ -3708,7 +3708,7 @@
                     <a:lstStyle/>
                     <a:p>
                       <a:r>
-                        <a:rPr kumimoji="1" lang="ja-JP" altLang="en-US" sz="1200" dirty="0"/>
+                        <a:rPr kumimoji="1" lang="ja-JP" altLang="en-US" sz="1100" dirty="0"/>
                         <a:t>概要</a:t>
                       </a:r>
                     </a:p>
@@ -3721,34 +3721,41 @@
                     <a:lstStyle/>
                     <a:p>
                       <a:r>
-                        <a:rPr kumimoji="1" lang="ja-JP" altLang="en-US" sz="1200" dirty="0"/>
-                        <a:t>競技者から事前に与えられたマップ情報</a:t>
+                        <a:rPr kumimoji="1" lang="ja-JP" altLang="en-US" sz="1100" dirty="0"/>
+                        <a:t>競技者はマップ情報</a:t>
                       </a:r>
                       <a:r>
-                        <a:rPr kumimoji="1" lang="en-US" altLang="ja-JP" sz="1200" dirty="0"/>
+                        <a:rPr kumimoji="1" lang="en-US" altLang="ja-JP" sz="1100" dirty="0"/>
                         <a:t>(</a:t>
                       </a:r>
                       <a:r>
-                        <a:rPr kumimoji="1" lang="ja-JP" altLang="en-US" sz="1200" dirty="0"/>
+                        <a:rPr kumimoji="1" lang="ja-JP" altLang="en-US" sz="1100" dirty="0"/>
                         <a:t>目的地、各分岐での進行方向、分岐合図</a:t>
                       </a:r>
                       <a:r>
-                        <a:rPr kumimoji="1" lang="en-US" altLang="ja-JP" sz="1200" dirty="0"/>
+                        <a:rPr kumimoji="1" lang="en-US" altLang="ja-JP" sz="1100" dirty="0"/>
                         <a:t>)</a:t>
                       </a:r>
                       <a:r>
-                        <a:rPr kumimoji="1" lang="ja-JP" altLang="en-US" sz="1200" dirty="0"/>
-                        <a:t>を基に、バーチャル運転手はダブルループに侵入し、各ゲートを正しい方向から</a:t>
+                        <a:rPr kumimoji="1" lang="ja-JP" altLang="en-US" sz="1100" dirty="0"/>
+                        <a:t>とともにをバーチャル運転手に運転を依頼する。</a:t>
+                      </a:r>
+                      <a:endParaRPr kumimoji="1" lang="en-US" altLang="ja-JP" sz="1100" dirty="0"/>
+                    </a:p>
+                    <a:p>
+                      <a:r>
+                        <a:rPr kumimoji="1" lang="ja-JP" altLang="en-US" sz="1100" dirty="0"/>
+                        <a:t>バーチャル運転手は地図情報を基にダブルループに侵入し、各ゲートを正しい方向から</a:t>
                       </a:r>
                       <a:r>
-                        <a:rPr kumimoji="1" lang="en-US" altLang="ja-JP" sz="1200" dirty="0"/>
+                        <a:rPr kumimoji="1" lang="en-US" altLang="ja-JP" sz="1100" dirty="0"/>
                         <a:t>1</a:t>
                       </a:r>
                       <a:r>
-                        <a:rPr kumimoji="1" lang="ja-JP" altLang="en-US" sz="1200" dirty="0"/>
+                        <a:rPr kumimoji="1" lang="ja-JP" altLang="en-US" sz="1100" dirty="0"/>
                         <a:t>度のみ通過した後、ダブルループを脱出する。</a:t>
                       </a:r>
-                      <a:endParaRPr kumimoji="1" lang="en-US" altLang="ja-JP" sz="1200" dirty="0"/>
+                      <a:endParaRPr kumimoji="1" lang="en-US" altLang="ja-JP" sz="1100" dirty="0"/>
                     </a:p>
                   </a:txBody>
                   <a:tcPr/>
@@ -3759,14 +3766,14 @@
                   </a:ext>
                 </a:extLst>
               </a:tr>
-              <a:tr h="370840">
+              <a:tr h="274320">
                 <a:tc>
                   <a:txBody>
                     <a:bodyPr/>
                     <a:lstStyle/>
                     <a:p>
                       <a:r>
-                        <a:rPr kumimoji="1" lang="ja-JP" altLang="en-US" sz="1200" dirty="0"/>
+                        <a:rPr kumimoji="1" lang="ja-JP" altLang="en-US" sz="1100" dirty="0"/>
                         <a:t>アクター</a:t>
                       </a:r>
                     </a:p>
@@ -3779,7 +3786,7 @@
                     <a:lstStyle/>
                     <a:p>
                       <a:r>
-                        <a:rPr kumimoji="1" lang="ja-JP" altLang="en-US" sz="1200" dirty="0"/>
+                        <a:rPr kumimoji="1" lang="ja-JP" altLang="en-US" sz="1100" dirty="0"/>
                         <a:t>競技者</a:t>
                       </a:r>
                     </a:p>
@@ -3799,14 +3806,14 @@
                     <a:lstStyle/>
                     <a:p>
                       <a:r>
-                        <a:rPr kumimoji="1" lang="ja-JP" altLang="en-US" sz="1200" dirty="0"/>
+                        <a:rPr kumimoji="1" lang="ja-JP" altLang="en-US" sz="1100" dirty="0"/>
                         <a:t>事前</a:t>
                       </a:r>
-                      <a:endParaRPr kumimoji="1" lang="en-US" altLang="ja-JP" sz="1200" dirty="0"/>
+                      <a:endParaRPr kumimoji="1" lang="en-US" altLang="ja-JP" sz="1100" dirty="0"/>
                     </a:p>
                     <a:p>
                       <a:r>
-                        <a:rPr kumimoji="1" lang="ja-JP" altLang="en-US" sz="1200" dirty="0"/>
+                        <a:rPr kumimoji="1" lang="ja-JP" altLang="en-US" sz="1100" dirty="0"/>
                         <a:t>条件</a:t>
                       </a:r>
                     </a:p>
@@ -3819,15 +3826,15 @@
                     <a:lstStyle/>
                     <a:p>
                       <a:r>
-                        <a:rPr kumimoji="1" lang="ja-JP" altLang="en-US" sz="1200" dirty="0"/>
+                        <a:rPr kumimoji="1" lang="ja-JP" altLang="en-US" sz="1100" dirty="0"/>
                         <a:t>走行体が</a:t>
                       </a:r>
                       <a:r>
-                        <a:rPr kumimoji="1" lang="en-US" altLang="ja-JP" sz="1200" dirty="0"/>
+                        <a:rPr kumimoji="1" lang="en-US" altLang="ja-JP" sz="1100" dirty="0"/>
                         <a:t>LAP</a:t>
                       </a:r>
                       <a:r>
-                        <a:rPr kumimoji="1" lang="ja-JP" altLang="en-US" sz="1200" dirty="0"/>
+                        <a:rPr kumimoji="1" lang="ja-JP" altLang="en-US" sz="1100" dirty="0"/>
                         <a:t>からダブルループまでのライン上に存在する</a:t>
                       </a:r>
                     </a:p>
@@ -3847,14 +3854,14 @@
                     <a:lstStyle/>
                     <a:p>
                       <a:r>
-                        <a:rPr kumimoji="1" lang="ja-JP" altLang="en-US" sz="1200" dirty="0"/>
+                        <a:rPr kumimoji="1" lang="ja-JP" altLang="en-US" sz="1100" dirty="0"/>
                         <a:t>事後</a:t>
                       </a:r>
-                      <a:endParaRPr kumimoji="1" lang="en-US" altLang="ja-JP" sz="1200" dirty="0"/>
+                      <a:endParaRPr kumimoji="1" lang="en-US" altLang="ja-JP" sz="1100" dirty="0"/>
                     </a:p>
                     <a:p>
                       <a:r>
-                        <a:rPr kumimoji="1" lang="ja-JP" altLang="en-US" sz="1200" dirty="0"/>
+                        <a:rPr kumimoji="1" lang="ja-JP" altLang="en-US" sz="1100" dirty="0"/>
                         <a:t>条件</a:t>
                       </a:r>
                     </a:p>
@@ -3867,7 +3874,7 @@
                     <a:lstStyle/>
                     <a:p>
                       <a:r>
-                        <a:rPr kumimoji="1" lang="ja-JP" altLang="en-US" sz="1200" dirty="0"/>
+                        <a:rPr kumimoji="1" lang="ja-JP" altLang="en-US" sz="1100" dirty="0"/>
                         <a:t>走行体がダブルループからスマートキャリーツインまでのライン上に存在する</a:t>
                       </a:r>
                     </a:p>
@@ -3887,14 +3894,14 @@
                     <a:lstStyle/>
                     <a:p>
                       <a:r>
-                        <a:rPr kumimoji="1" lang="ja-JP" altLang="en-US" sz="1200" dirty="0"/>
+                        <a:rPr kumimoji="1" lang="ja-JP" altLang="en-US" sz="1100" dirty="0"/>
                         <a:t>基本</a:t>
                       </a:r>
-                      <a:endParaRPr kumimoji="1" lang="en-US" altLang="ja-JP" sz="1200" dirty="0"/>
+                      <a:endParaRPr kumimoji="1" lang="en-US" altLang="ja-JP" sz="1100" dirty="0"/>
                     </a:p>
                     <a:p>
                       <a:r>
-                        <a:rPr kumimoji="1" lang="ja-JP" altLang="en-US" sz="1200" dirty="0"/>
+                        <a:rPr kumimoji="1" lang="ja-JP" altLang="en-US" sz="1100" dirty="0"/>
                         <a:t>フロー</a:t>
                       </a:r>
                     </a:p>
@@ -3907,49 +3914,51 @@
                     <a:lstStyle/>
                     <a:p>
                       <a:r>
-                        <a:rPr kumimoji="1" lang="ja-JP" altLang="en-US" sz="1200" dirty="0"/>
+                        <a:rPr kumimoji="1" lang="ja-JP" altLang="en-US" sz="1100" dirty="0"/>
                         <a:t>①競技者はバーチャル運転手にマップ情報を伝えて運転を依頼する</a:t>
                       </a:r>
-                      <a:endParaRPr kumimoji="1" lang="en-US" altLang="ja-JP" sz="1200" dirty="0"/>
+                      <a:endParaRPr kumimoji="1" lang="en-US" altLang="ja-JP" sz="1100" dirty="0"/>
                     </a:p>
                     <a:p>
                       <a:r>
-                        <a:rPr kumimoji="1" lang="en-US" altLang="ja-JP" sz="1200" dirty="0"/>
+                        <a:rPr kumimoji="1" lang="en-US" altLang="ja-JP" sz="1100" dirty="0"/>
                         <a:t>(UC_001)</a:t>
                       </a:r>
                     </a:p>
                     <a:p>
                       <a:r>
-                        <a:rPr kumimoji="1" lang="ja-JP" altLang="en-US" sz="1200" dirty="0"/>
-                        <a:t>②バーチャル運転手はラインに沿って走行体を走行させる</a:t>
+                        <a:rPr kumimoji="1" lang="ja-JP" altLang="en-US" sz="1100" dirty="0"/>
+                        <a:t>②バーチャル運転手はマップを記憶する</a:t>
                       </a:r>
                       <a:r>
-                        <a:rPr kumimoji="1" lang="en-US" altLang="ja-JP" sz="1200" dirty="0"/>
+                        <a:rPr kumimoji="1" lang="en-US" altLang="ja-JP" sz="1100" dirty="0"/>
+                        <a:t>(UC_005)</a:t>
+                      </a:r>
+                    </a:p>
+                    <a:p>
+                      <a:r>
+                        <a:rPr kumimoji="1" lang="ja-JP" altLang="en-US" sz="1100" dirty="0"/>
+                        <a:t>③バーチャル運転手はラインに沿って走行体を走行させる</a:t>
+                      </a:r>
+                      <a:r>
+                        <a:rPr kumimoji="1" lang="en-US" altLang="ja-JP" sz="1100" dirty="0"/>
                         <a:t>(UC_002)</a:t>
                       </a:r>
                     </a:p>
                     <a:p>
                       <a:r>
-                        <a:rPr kumimoji="1" lang="ja-JP" altLang="en-US" sz="1200" dirty="0"/>
-                        <a:t>③走行体が分岐合図を検知した場合、バーチャル運転手はマップ情報に基づいて進路を決定する</a:t>
+                        <a:rPr kumimoji="1" lang="ja-JP" altLang="en-US" sz="1100" dirty="0"/>
+                        <a:t>④走行体が分岐合図を検知した場合、バーチャル運転手はマップ情報に基づいて進路を決定する</a:t>
                       </a:r>
                       <a:r>
-                        <a:rPr kumimoji="1" lang="en-US" altLang="ja-JP" sz="1200" dirty="0"/>
-                        <a:t>(UC_003)</a:t>
+                        <a:rPr kumimoji="1" lang="en-US" altLang="ja-JP" sz="1100" dirty="0"/>
+                        <a:t>(UC_004)</a:t>
                       </a:r>
                     </a:p>
                     <a:p>
                       <a:r>
-                        <a:rPr kumimoji="1" lang="ja-JP" altLang="en-US" sz="1200" dirty="0"/>
-                        <a:t>④上記②</a:t>
-                      </a:r>
-                      <a:r>
-                        <a:rPr kumimoji="1" lang="en-US" altLang="ja-JP" sz="1200" dirty="0"/>
-                        <a:t>,</a:t>
-                      </a:r>
-                      <a:r>
-                        <a:rPr kumimoji="1" lang="ja-JP" altLang="en-US" sz="1200" dirty="0"/>
-                        <a:t>③を目的地に到達するまで繰り返す</a:t>
+                        <a:rPr kumimoji="1" lang="ja-JP" altLang="en-US" sz="1100" dirty="0"/>
+                        <a:t>⑤上記②～④を目的地に到達するまで繰り返す</a:t>
                       </a:r>
                     </a:p>
                   </a:txBody>
@@ -3968,14 +3977,14 @@
                     <a:lstStyle/>
                     <a:p>
                       <a:r>
-                        <a:rPr kumimoji="1" lang="ja-JP" altLang="en-US" sz="1200" dirty="0"/>
+                        <a:rPr kumimoji="1" lang="ja-JP" altLang="en-US" sz="1100" dirty="0"/>
                         <a:t>代替</a:t>
                       </a:r>
-                      <a:endParaRPr kumimoji="1" lang="en-US" altLang="ja-JP" sz="1200" dirty="0"/>
+                      <a:endParaRPr kumimoji="1" lang="en-US" altLang="ja-JP" sz="1100" dirty="0"/>
                     </a:p>
                     <a:p>
                       <a:r>
-                        <a:rPr kumimoji="1" lang="ja-JP" altLang="en-US" sz="1200" dirty="0"/>
+                        <a:rPr kumimoji="1" lang="ja-JP" altLang="en-US" sz="1100" dirty="0"/>
                         <a:t>フロー</a:t>
                       </a:r>
                     </a:p>
@@ -3988,19 +3997,19 @@
                     <a:lstStyle/>
                     <a:p>
                       <a:r>
-                        <a:rPr kumimoji="1" lang="ja-JP" altLang="en-US" sz="1200" dirty="0"/>
-                        <a:t>基本フロー②にて走行体がライン上から逸脱した場合、直前の動作を巻き戻してライン上に復帰する</a:t>
+                        <a:rPr kumimoji="1" lang="ja-JP" altLang="en-US" sz="1100" dirty="0"/>
+                        <a:t>基本フロー③にて走行体がライン上から逸脱した場合、直前の動作を巻き戻してライン上に復帰する</a:t>
                       </a:r>
                       <a:r>
-                        <a:rPr kumimoji="1" lang="en-US" altLang="ja-JP" sz="1200" dirty="0"/>
+                        <a:rPr kumimoji="1" lang="en-US" altLang="ja-JP" sz="1100" dirty="0"/>
                         <a:t>(</a:t>
                       </a:r>
                       <a:r>
-                        <a:rPr kumimoji="1" lang="ja-JP" altLang="en-US" sz="1200" dirty="0"/>
+                        <a:rPr kumimoji="1" lang="ja-JP" altLang="en-US" sz="1100" dirty="0"/>
                         <a:t>緩和</a:t>
                       </a:r>
                       <a:r>
-                        <a:rPr kumimoji="1" lang="en-US" altLang="ja-JP" sz="1200" dirty="0"/>
+                        <a:rPr kumimoji="1" lang="en-US" altLang="ja-JP" sz="1100" dirty="0"/>
                         <a:t>UC_001)</a:t>
                       </a:r>
                     </a:p>

--- a/model/素材/2.2.2_ユースケース記述.pptx
+++ b/model/素材/2.2.2_ユースケース記述.pptx
@@ -3629,14 +3629,14 @@
           <p:nvPr>
             <p:extLst>
               <p:ext uri="{D42A27DB-BD31-4B8C-83A1-F6EECF244321}">
-                <p14:modId xmlns:p14="http://schemas.microsoft.com/office/powerpoint/2010/main" val="1695954223"/>
+                <p14:modId xmlns:p14="http://schemas.microsoft.com/office/powerpoint/2010/main" val="615867655"/>
               </p:ext>
             </p:extLst>
           </p:nvPr>
         </p:nvGraphicFramePr>
         <p:xfrm>
           <a:off x="1974890" y="67056"/>
-          <a:ext cx="3127462" cy="6522720"/>
+          <a:ext cx="3127462" cy="6355080"/>
         </p:xfrm>
         <a:graphic>
           <a:graphicData uri="http://schemas.openxmlformats.org/drawingml/2006/table">
@@ -3917,9 +3917,6 @@
                         <a:rPr kumimoji="1" lang="ja-JP" altLang="en-US" sz="1100" dirty="0"/>
                         <a:t>①競技者はバーチャル運転手にマップ情報を伝えて運転を依頼する</a:t>
                       </a:r>
-                      <a:endParaRPr kumimoji="1" lang="en-US" altLang="ja-JP" sz="1100" dirty="0"/>
-                    </a:p>
-                    <a:p>
                       <a:r>
                         <a:rPr kumimoji="1" lang="en-US" altLang="ja-JP" sz="1100" dirty="0"/>
                         <a:t>(UC_001)</a:t>

--- a/model/素材/2.2.2_ユースケース記述.pptx
+++ b/model/素材/2.2.2_ユースケース記述.pptx
@@ -259,7 +259,7 @@
           <a:p>
             <a:fld id="{D19E4E15-3BC5-45B9-8454-684F40C4C011}" type="datetimeFigureOut">
               <a:rPr kumimoji="1" lang="ja-JP" altLang="en-US" smtClean="0"/>
-              <a:t>2025/8/9</a:t>
+              <a:t>2025/8/16</a:t>
             </a:fld>
             <a:endParaRPr kumimoji="1" lang="ja-JP" altLang="en-US"/>
           </a:p>
@@ -489,7 +489,7 @@
           <a:p>
             <a:fld id="{D19E4E15-3BC5-45B9-8454-684F40C4C011}" type="datetimeFigureOut">
               <a:rPr kumimoji="1" lang="ja-JP" altLang="en-US" smtClean="0"/>
-              <a:t>2025/8/9</a:t>
+              <a:t>2025/8/16</a:t>
             </a:fld>
             <a:endParaRPr kumimoji="1" lang="ja-JP" altLang="en-US"/>
           </a:p>
@@ -729,7 +729,7 @@
           <a:p>
             <a:fld id="{D19E4E15-3BC5-45B9-8454-684F40C4C011}" type="datetimeFigureOut">
               <a:rPr kumimoji="1" lang="ja-JP" altLang="en-US" smtClean="0"/>
-              <a:t>2025/8/9</a:t>
+              <a:t>2025/8/16</a:t>
             </a:fld>
             <a:endParaRPr kumimoji="1" lang="ja-JP" altLang="en-US"/>
           </a:p>
@@ -959,7 +959,7 @@
           <a:p>
             <a:fld id="{D19E4E15-3BC5-45B9-8454-684F40C4C011}" type="datetimeFigureOut">
               <a:rPr kumimoji="1" lang="ja-JP" altLang="en-US" smtClean="0"/>
-              <a:t>2025/8/9</a:t>
+              <a:t>2025/8/16</a:t>
             </a:fld>
             <a:endParaRPr kumimoji="1" lang="ja-JP" altLang="en-US"/>
           </a:p>
@@ -1234,7 +1234,7 @@
           <a:p>
             <a:fld id="{D19E4E15-3BC5-45B9-8454-684F40C4C011}" type="datetimeFigureOut">
               <a:rPr kumimoji="1" lang="ja-JP" altLang="en-US" smtClean="0"/>
-              <a:t>2025/8/9</a:t>
+              <a:t>2025/8/16</a:t>
             </a:fld>
             <a:endParaRPr kumimoji="1" lang="ja-JP" altLang="en-US"/>
           </a:p>
@@ -1563,7 +1563,7 @@
           <a:p>
             <a:fld id="{D19E4E15-3BC5-45B9-8454-684F40C4C011}" type="datetimeFigureOut">
               <a:rPr kumimoji="1" lang="ja-JP" altLang="en-US" smtClean="0"/>
-              <a:t>2025/8/9</a:t>
+              <a:t>2025/8/16</a:t>
             </a:fld>
             <a:endParaRPr kumimoji="1" lang="ja-JP" altLang="en-US"/>
           </a:p>
@@ -2039,7 +2039,7 @@
           <a:p>
             <a:fld id="{D19E4E15-3BC5-45B9-8454-684F40C4C011}" type="datetimeFigureOut">
               <a:rPr kumimoji="1" lang="ja-JP" altLang="en-US" smtClean="0"/>
-              <a:t>2025/8/9</a:t>
+              <a:t>2025/8/16</a:t>
             </a:fld>
             <a:endParaRPr kumimoji="1" lang="ja-JP" altLang="en-US"/>
           </a:p>
@@ -2180,7 +2180,7 @@
           <a:p>
             <a:fld id="{D19E4E15-3BC5-45B9-8454-684F40C4C011}" type="datetimeFigureOut">
               <a:rPr kumimoji="1" lang="ja-JP" altLang="en-US" smtClean="0"/>
-              <a:t>2025/8/9</a:t>
+              <a:t>2025/8/16</a:t>
             </a:fld>
             <a:endParaRPr kumimoji="1" lang="ja-JP" altLang="en-US"/>
           </a:p>
@@ -2293,7 +2293,7 @@
           <a:p>
             <a:fld id="{D19E4E15-3BC5-45B9-8454-684F40C4C011}" type="datetimeFigureOut">
               <a:rPr kumimoji="1" lang="ja-JP" altLang="en-US" smtClean="0"/>
-              <a:t>2025/8/9</a:t>
+              <a:t>2025/8/16</a:t>
             </a:fld>
             <a:endParaRPr kumimoji="1" lang="ja-JP" altLang="en-US"/>
           </a:p>
@@ -2636,7 +2636,7 @@
           <a:p>
             <a:fld id="{D19E4E15-3BC5-45B9-8454-684F40C4C011}" type="datetimeFigureOut">
               <a:rPr kumimoji="1" lang="ja-JP" altLang="en-US" smtClean="0"/>
-              <a:t>2025/8/9</a:t>
+              <a:t>2025/8/16</a:t>
             </a:fld>
             <a:endParaRPr kumimoji="1" lang="ja-JP" altLang="en-US"/>
           </a:p>
@@ -2924,7 +2924,7 @@
           <a:p>
             <a:fld id="{D19E4E15-3BC5-45B9-8454-684F40C4C011}" type="datetimeFigureOut">
               <a:rPr kumimoji="1" lang="ja-JP" altLang="en-US" smtClean="0"/>
-              <a:t>2025/8/9</a:t>
+              <a:t>2025/8/16</a:t>
             </a:fld>
             <a:endParaRPr kumimoji="1" lang="ja-JP" altLang="en-US"/>
           </a:p>
@@ -3197,7 +3197,7 @@
           <a:p>
             <a:fld id="{D19E4E15-3BC5-45B9-8454-684F40C4C011}" type="datetimeFigureOut">
               <a:rPr kumimoji="1" lang="ja-JP" altLang="en-US" smtClean="0"/>
-              <a:t>2025/8/9</a:t>
+              <a:t>2025/8/16</a:t>
             </a:fld>
             <a:endParaRPr kumimoji="1" lang="ja-JP" altLang="en-US"/>
           </a:p>
@@ -3629,14 +3629,14 @@
           <p:nvPr>
             <p:extLst>
               <p:ext uri="{D42A27DB-BD31-4B8C-83A1-F6EECF244321}">
-                <p14:modId xmlns:p14="http://schemas.microsoft.com/office/powerpoint/2010/main" val="615867655"/>
+                <p14:modId xmlns:p14="http://schemas.microsoft.com/office/powerpoint/2010/main" val="1769230971"/>
               </p:ext>
             </p:extLst>
           </p:nvPr>
         </p:nvGraphicFramePr>
         <p:xfrm>
-          <a:off x="1974890" y="67056"/>
-          <a:ext cx="3127462" cy="6355080"/>
+          <a:off x="2317790" y="233680"/>
+          <a:ext cx="3235285" cy="6187440"/>
         </p:xfrm>
         <a:graphic>
           <a:graphicData uri="http://schemas.openxmlformats.org/drawingml/2006/table">
@@ -3645,14 +3645,14 @@
                 <a:tableStyleId>{5C22544A-7EE6-4342-B048-85BDC9FD1C3A}</a:tableStyleId>
               </a:tblPr>
               <a:tblGrid>
-                <a:gridCol w="792694">
+                <a:gridCol w="939760">
                   <a:extLst>
                     <a:ext uri="{9D8B030D-6E8A-4147-A177-3AD203B41FA5}">
                       <a16:colId xmlns:a16="http://schemas.microsoft.com/office/drawing/2014/main" val="96474671"/>
                     </a:ext>
                   </a:extLst>
                 </a:gridCol>
-                <a:gridCol w="2334768">
+                <a:gridCol w="2295525">
                   <a:extLst>
                     <a:ext uri="{9D8B030D-6E8A-4147-A177-3AD203B41FA5}">
                       <a16:colId xmlns:a16="http://schemas.microsoft.com/office/drawing/2014/main" val="2101071696"/>
@@ -3667,19 +3667,71 @@
                     <a:lstStyle/>
                     <a:p>
                       <a:r>
-                        <a:rPr kumimoji="1" lang="ja-JP" altLang="en-US" sz="1100" dirty="0"/>
+                        <a:rPr kumimoji="1" lang="ja-JP" altLang="en-US" sz="1100" b="1" dirty="0">
+                          <a:solidFill>
+                            <a:schemeClr val="bg1"/>
+                          </a:solidFill>
+                        </a:rPr>
                         <a:t>ユース</a:t>
                       </a:r>
-                      <a:endParaRPr kumimoji="1" lang="en-US" altLang="ja-JP" sz="1100" dirty="0"/>
+                      <a:endParaRPr kumimoji="1" lang="en-US" altLang="ja-JP" sz="1100" b="1" dirty="0">
+                        <a:solidFill>
+                          <a:schemeClr val="bg1"/>
+                        </a:solidFill>
+                      </a:endParaRPr>
                     </a:p>
                     <a:p>
                       <a:r>
-                        <a:rPr kumimoji="1" lang="ja-JP" altLang="en-US" sz="1100" dirty="0"/>
+                        <a:rPr kumimoji="1" lang="ja-JP" altLang="en-US" sz="1100" b="1" dirty="0">
+                          <a:solidFill>
+                            <a:schemeClr val="bg1"/>
+                          </a:solidFill>
+                        </a:rPr>
                         <a:t>ケース名</a:t>
                       </a:r>
                     </a:p>
                   </a:txBody>
-                  <a:tcPr/>
+                  <a:tcPr>
+                    <a:lnL w="12700" cap="flat" cmpd="sng" algn="ctr">
+                      <a:solidFill>
+                        <a:schemeClr val="tx1"/>
+                      </a:solidFill>
+                      <a:prstDash val="solid"/>
+                      <a:round/>
+                      <a:headEnd type="none" w="med" len="med"/>
+                      <a:tailEnd type="none" w="med" len="med"/>
+                    </a:lnL>
+                    <a:lnR w="12700" cap="flat" cmpd="sng" algn="ctr">
+                      <a:solidFill>
+                        <a:schemeClr val="tx1"/>
+                      </a:solidFill>
+                      <a:prstDash val="solid"/>
+                      <a:round/>
+                      <a:headEnd type="none" w="med" len="med"/>
+                      <a:tailEnd type="none" w="med" len="med"/>
+                    </a:lnR>
+                    <a:lnT w="12700" cap="flat" cmpd="sng" algn="ctr">
+                      <a:solidFill>
+                        <a:schemeClr val="tx1"/>
+                      </a:solidFill>
+                      <a:prstDash val="solid"/>
+                      <a:round/>
+                      <a:headEnd type="none" w="med" len="med"/>
+                      <a:tailEnd type="none" w="med" len="med"/>
+                    </a:lnT>
+                    <a:lnB w="12700" cap="flat" cmpd="sng" algn="ctr">
+                      <a:solidFill>
+                        <a:schemeClr val="tx1"/>
+                      </a:solidFill>
+                      <a:prstDash val="solid"/>
+                      <a:round/>
+                      <a:headEnd type="none" w="med" len="med"/>
+                      <a:tailEnd type="none" w="med" len="med"/>
+                    </a:lnB>
+                    <a:solidFill>
+                      <a:schemeClr val="accent1"/>
+                    </a:solidFill>
+                  </a:tcPr>
                 </a:tc>
                 <a:tc>
                   <a:txBody>
@@ -3688,12 +3740,49 @@
                     <a:p>
                       <a:r>
                         <a:rPr kumimoji="1" lang="ja-JP" altLang="en-US" sz="1100" dirty="0"/>
-                        <a:t>バーチャル運転手に目的地までの運転を依頼する</a:t>
+                        <a:t>ダブルループを攻略する</a:t>
                       </a:r>
                       <a:endParaRPr kumimoji="1" lang="en-US" altLang="ja-JP" sz="1100" dirty="0"/>
                     </a:p>
                   </a:txBody>
-                  <a:tcPr/>
+                  <a:tcPr>
+                    <a:lnL w="12700" cap="flat" cmpd="sng" algn="ctr">
+                      <a:solidFill>
+                        <a:schemeClr val="tx1"/>
+                      </a:solidFill>
+                      <a:prstDash val="solid"/>
+                      <a:round/>
+                      <a:headEnd type="none" w="med" len="med"/>
+                      <a:tailEnd type="none" w="med" len="med"/>
+                    </a:lnL>
+                    <a:lnR w="12700" cap="flat" cmpd="sng" algn="ctr">
+                      <a:solidFill>
+                        <a:schemeClr val="tx1"/>
+                      </a:solidFill>
+                      <a:prstDash val="solid"/>
+                      <a:round/>
+                      <a:headEnd type="none" w="med" len="med"/>
+                      <a:tailEnd type="none" w="med" len="med"/>
+                    </a:lnR>
+                    <a:lnT w="12700" cap="flat" cmpd="sng" algn="ctr">
+                      <a:solidFill>
+                        <a:schemeClr val="tx1"/>
+                      </a:solidFill>
+                      <a:prstDash val="solid"/>
+                      <a:round/>
+                      <a:headEnd type="none" w="med" len="med"/>
+                      <a:tailEnd type="none" w="med" len="med"/>
+                    </a:lnT>
+                    <a:lnB w="12700" cap="flat" cmpd="sng" algn="ctr">
+                      <a:solidFill>
+                        <a:schemeClr val="tx1"/>
+                      </a:solidFill>
+                      <a:prstDash val="solid"/>
+                      <a:round/>
+                      <a:headEnd type="none" w="med" len="med"/>
+                      <a:tailEnd type="none" w="med" len="med"/>
+                    </a:lnB>
+                  </a:tcPr>
                 </a:tc>
                 <a:extLst>
                   <a:ext uri="{0D108BD9-81ED-4DB2-BD59-A6C34878D82A}">
@@ -3708,12 +3797,56 @@
                     <a:lstStyle/>
                     <a:p>
                       <a:r>
-                        <a:rPr kumimoji="1" lang="ja-JP" altLang="en-US" sz="1100" dirty="0"/>
+                        <a:rPr kumimoji="1" lang="ja-JP" altLang="en-US" sz="1100" b="1" dirty="0">
+                          <a:solidFill>
+                            <a:schemeClr val="bg1"/>
+                          </a:solidFill>
+                        </a:rPr>
                         <a:t>概要</a:t>
                       </a:r>
                     </a:p>
                   </a:txBody>
-                  <a:tcPr/>
+                  <a:tcPr>
+                    <a:lnL w="12700" cap="flat" cmpd="sng" algn="ctr">
+                      <a:solidFill>
+                        <a:schemeClr val="tx1"/>
+                      </a:solidFill>
+                      <a:prstDash val="solid"/>
+                      <a:round/>
+                      <a:headEnd type="none" w="med" len="med"/>
+                      <a:tailEnd type="none" w="med" len="med"/>
+                    </a:lnL>
+                    <a:lnR w="12700" cap="flat" cmpd="sng" algn="ctr">
+                      <a:solidFill>
+                        <a:schemeClr val="tx1"/>
+                      </a:solidFill>
+                      <a:prstDash val="solid"/>
+                      <a:round/>
+                      <a:headEnd type="none" w="med" len="med"/>
+                      <a:tailEnd type="none" w="med" len="med"/>
+                    </a:lnR>
+                    <a:lnT w="12700" cap="flat" cmpd="sng" algn="ctr">
+                      <a:solidFill>
+                        <a:schemeClr val="tx1"/>
+                      </a:solidFill>
+                      <a:prstDash val="solid"/>
+                      <a:round/>
+                      <a:headEnd type="none" w="med" len="med"/>
+                      <a:tailEnd type="none" w="med" len="med"/>
+                    </a:lnT>
+                    <a:lnB w="12700" cap="flat" cmpd="sng" algn="ctr">
+                      <a:solidFill>
+                        <a:schemeClr val="tx1"/>
+                      </a:solidFill>
+                      <a:prstDash val="solid"/>
+                      <a:round/>
+                      <a:headEnd type="none" w="med" len="med"/>
+                      <a:tailEnd type="none" w="med" len="med"/>
+                    </a:lnB>
+                    <a:solidFill>
+                      <a:schemeClr val="accent1"/>
+                    </a:solidFill>
+                  </a:tcPr>
                 </a:tc>
                 <a:tc>
                   <a:txBody>
@@ -3730,7 +3863,7 @@
                       </a:r>
                       <a:r>
                         <a:rPr kumimoji="1" lang="ja-JP" altLang="en-US" sz="1100" dirty="0"/>
-                        <a:t>目的地、各分岐での進行方向、分岐合図</a:t>
+                        <a:t>各分岐での進行方向、分岐合図</a:t>
                       </a:r>
                       <a:r>
                         <a:rPr kumimoji="1" lang="en-US" altLang="ja-JP" sz="1100" dirty="0"/>
@@ -3738,14 +3871,14 @@
                       </a:r>
                       <a:r>
                         <a:rPr kumimoji="1" lang="ja-JP" altLang="en-US" sz="1100" dirty="0"/>
-                        <a:t>とともにをバーチャル運転手に運転を依頼する。</a:t>
+                        <a:t>とともにをバーチャル運転手にダブルループの攻略を依頼する。</a:t>
                       </a:r>
                       <a:endParaRPr kumimoji="1" lang="en-US" altLang="ja-JP" sz="1100" dirty="0"/>
                     </a:p>
                     <a:p>
                       <a:r>
                         <a:rPr kumimoji="1" lang="ja-JP" altLang="en-US" sz="1100" dirty="0"/>
-                        <a:t>バーチャル運転手は地図情報を基にダブルループに侵入し、各ゲートを正しい方向から</a:t>
+                        <a:t>バーチャル運転手はマップ情報を基にダブルループに侵入し、各ゲートを正しい方向から</a:t>
                       </a:r>
                       <a:r>
                         <a:rPr kumimoji="1" lang="en-US" altLang="ja-JP" sz="1100" dirty="0"/>
@@ -3758,7 +3891,44 @@
                       <a:endParaRPr kumimoji="1" lang="en-US" altLang="ja-JP" sz="1100" dirty="0"/>
                     </a:p>
                   </a:txBody>
-                  <a:tcPr/>
+                  <a:tcPr>
+                    <a:lnL w="12700" cap="flat" cmpd="sng" algn="ctr">
+                      <a:solidFill>
+                        <a:schemeClr val="tx1"/>
+                      </a:solidFill>
+                      <a:prstDash val="solid"/>
+                      <a:round/>
+                      <a:headEnd type="none" w="med" len="med"/>
+                      <a:tailEnd type="none" w="med" len="med"/>
+                    </a:lnL>
+                    <a:lnR w="12700" cap="flat" cmpd="sng" algn="ctr">
+                      <a:solidFill>
+                        <a:schemeClr val="tx1"/>
+                      </a:solidFill>
+                      <a:prstDash val="solid"/>
+                      <a:round/>
+                      <a:headEnd type="none" w="med" len="med"/>
+                      <a:tailEnd type="none" w="med" len="med"/>
+                    </a:lnR>
+                    <a:lnT w="12700" cap="flat" cmpd="sng" algn="ctr">
+                      <a:solidFill>
+                        <a:schemeClr val="tx1"/>
+                      </a:solidFill>
+                      <a:prstDash val="solid"/>
+                      <a:round/>
+                      <a:headEnd type="none" w="med" len="med"/>
+                      <a:tailEnd type="none" w="med" len="med"/>
+                    </a:lnT>
+                    <a:lnB w="12700" cap="flat" cmpd="sng" algn="ctr">
+                      <a:solidFill>
+                        <a:schemeClr val="tx1"/>
+                      </a:solidFill>
+                      <a:prstDash val="solid"/>
+                      <a:round/>
+                      <a:headEnd type="none" w="med" len="med"/>
+                      <a:tailEnd type="none" w="med" len="med"/>
+                    </a:lnB>
+                  </a:tcPr>
                 </a:tc>
                 <a:extLst>
                   <a:ext uri="{0D108BD9-81ED-4DB2-BD59-A6C34878D82A}">
@@ -3773,12 +3943,56 @@
                     <a:lstStyle/>
                     <a:p>
                       <a:r>
-                        <a:rPr kumimoji="1" lang="ja-JP" altLang="en-US" sz="1100" dirty="0"/>
+                        <a:rPr kumimoji="1" lang="ja-JP" altLang="en-US" sz="1100" b="1" dirty="0">
+                          <a:solidFill>
+                            <a:schemeClr val="bg1"/>
+                          </a:solidFill>
+                        </a:rPr>
                         <a:t>アクター</a:t>
                       </a:r>
                     </a:p>
                   </a:txBody>
-                  <a:tcPr/>
+                  <a:tcPr>
+                    <a:lnL w="12700" cap="flat" cmpd="sng" algn="ctr">
+                      <a:solidFill>
+                        <a:schemeClr val="tx1"/>
+                      </a:solidFill>
+                      <a:prstDash val="solid"/>
+                      <a:round/>
+                      <a:headEnd type="none" w="med" len="med"/>
+                      <a:tailEnd type="none" w="med" len="med"/>
+                    </a:lnL>
+                    <a:lnR w="12700" cap="flat" cmpd="sng" algn="ctr">
+                      <a:solidFill>
+                        <a:schemeClr val="tx1"/>
+                      </a:solidFill>
+                      <a:prstDash val="solid"/>
+                      <a:round/>
+                      <a:headEnd type="none" w="med" len="med"/>
+                      <a:tailEnd type="none" w="med" len="med"/>
+                    </a:lnR>
+                    <a:lnT w="12700" cap="flat" cmpd="sng" algn="ctr">
+                      <a:solidFill>
+                        <a:schemeClr val="tx1"/>
+                      </a:solidFill>
+                      <a:prstDash val="solid"/>
+                      <a:round/>
+                      <a:headEnd type="none" w="med" len="med"/>
+                      <a:tailEnd type="none" w="med" len="med"/>
+                    </a:lnT>
+                    <a:lnB w="12700" cap="flat" cmpd="sng" algn="ctr">
+                      <a:solidFill>
+                        <a:schemeClr val="tx1"/>
+                      </a:solidFill>
+                      <a:prstDash val="solid"/>
+                      <a:round/>
+                      <a:headEnd type="none" w="med" len="med"/>
+                      <a:tailEnd type="none" w="med" len="med"/>
+                    </a:lnB>
+                    <a:solidFill>
+                      <a:schemeClr val="accent1"/>
+                    </a:solidFill>
+                  </a:tcPr>
                 </a:tc>
                 <a:tc>
                   <a:txBody>
@@ -3791,7 +4005,44 @@
                       </a:r>
                     </a:p>
                   </a:txBody>
-                  <a:tcPr/>
+                  <a:tcPr>
+                    <a:lnL w="12700" cap="flat" cmpd="sng" algn="ctr">
+                      <a:solidFill>
+                        <a:schemeClr val="tx1"/>
+                      </a:solidFill>
+                      <a:prstDash val="solid"/>
+                      <a:round/>
+                      <a:headEnd type="none" w="med" len="med"/>
+                      <a:tailEnd type="none" w="med" len="med"/>
+                    </a:lnL>
+                    <a:lnR w="12700" cap="flat" cmpd="sng" algn="ctr">
+                      <a:solidFill>
+                        <a:schemeClr val="tx1"/>
+                      </a:solidFill>
+                      <a:prstDash val="solid"/>
+                      <a:round/>
+                      <a:headEnd type="none" w="med" len="med"/>
+                      <a:tailEnd type="none" w="med" len="med"/>
+                    </a:lnR>
+                    <a:lnT w="12700" cap="flat" cmpd="sng" algn="ctr">
+                      <a:solidFill>
+                        <a:schemeClr val="tx1"/>
+                      </a:solidFill>
+                      <a:prstDash val="solid"/>
+                      <a:round/>
+                      <a:headEnd type="none" w="med" len="med"/>
+                      <a:tailEnd type="none" w="med" len="med"/>
+                    </a:lnT>
+                    <a:lnB w="12700" cap="flat" cmpd="sng" algn="ctr">
+                      <a:solidFill>
+                        <a:schemeClr val="tx1"/>
+                      </a:solidFill>
+                      <a:prstDash val="solid"/>
+                      <a:round/>
+                      <a:headEnd type="none" w="med" len="med"/>
+                      <a:tailEnd type="none" w="med" len="med"/>
+                    </a:lnB>
+                  </a:tcPr>
                 </a:tc>
                 <a:extLst>
                   <a:ext uri="{0D108BD9-81ED-4DB2-BD59-A6C34878D82A}">
@@ -3806,19 +4057,56 @@
                     <a:lstStyle/>
                     <a:p>
                       <a:r>
-                        <a:rPr kumimoji="1" lang="ja-JP" altLang="en-US" sz="1100" dirty="0"/>
-                        <a:t>事前</a:t>
-                      </a:r>
-                      <a:endParaRPr kumimoji="1" lang="en-US" altLang="ja-JP" sz="1100" dirty="0"/>
-                    </a:p>
-                    <a:p>
-                      <a:r>
-                        <a:rPr kumimoji="1" lang="ja-JP" altLang="en-US" sz="1100" dirty="0"/>
-                        <a:t>条件</a:t>
+                        <a:rPr kumimoji="1" lang="ja-JP" altLang="en-US" sz="1100" b="1" dirty="0">
+                          <a:solidFill>
+                            <a:schemeClr val="bg1"/>
+                          </a:solidFill>
+                        </a:rPr>
+                        <a:t>事前条件</a:t>
                       </a:r>
                     </a:p>
                   </a:txBody>
-                  <a:tcPr/>
+                  <a:tcPr>
+                    <a:lnL w="12700" cap="flat" cmpd="sng" algn="ctr">
+                      <a:solidFill>
+                        <a:schemeClr val="tx1"/>
+                      </a:solidFill>
+                      <a:prstDash val="solid"/>
+                      <a:round/>
+                      <a:headEnd type="none" w="med" len="med"/>
+                      <a:tailEnd type="none" w="med" len="med"/>
+                    </a:lnL>
+                    <a:lnR w="12700" cap="flat" cmpd="sng" algn="ctr">
+                      <a:solidFill>
+                        <a:schemeClr val="tx1"/>
+                      </a:solidFill>
+                      <a:prstDash val="solid"/>
+                      <a:round/>
+                      <a:headEnd type="none" w="med" len="med"/>
+                      <a:tailEnd type="none" w="med" len="med"/>
+                    </a:lnR>
+                    <a:lnT w="12700" cap="flat" cmpd="sng" algn="ctr">
+                      <a:solidFill>
+                        <a:schemeClr val="tx1"/>
+                      </a:solidFill>
+                      <a:prstDash val="solid"/>
+                      <a:round/>
+                      <a:headEnd type="none" w="med" len="med"/>
+                      <a:tailEnd type="none" w="med" len="med"/>
+                    </a:lnT>
+                    <a:lnB w="12700" cap="flat" cmpd="sng" algn="ctr">
+                      <a:solidFill>
+                        <a:schemeClr val="tx1"/>
+                      </a:solidFill>
+                      <a:prstDash val="solid"/>
+                      <a:round/>
+                      <a:headEnd type="none" w="med" len="med"/>
+                      <a:tailEnd type="none" w="med" len="med"/>
+                    </a:lnB>
+                    <a:solidFill>
+                      <a:schemeClr val="accent1"/>
+                    </a:solidFill>
+                  </a:tcPr>
                 </a:tc>
                 <a:tc>
                   <a:txBody>
@@ -3839,7 +4127,44 @@
                       </a:r>
                     </a:p>
                   </a:txBody>
-                  <a:tcPr/>
+                  <a:tcPr>
+                    <a:lnL w="12700" cap="flat" cmpd="sng" algn="ctr">
+                      <a:solidFill>
+                        <a:schemeClr val="tx1"/>
+                      </a:solidFill>
+                      <a:prstDash val="solid"/>
+                      <a:round/>
+                      <a:headEnd type="none" w="med" len="med"/>
+                      <a:tailEnd type="none" w="med" len="med"/>
+                    </a:lnL>
+                    <a:lnR w="12700" cap="flat" cmpd="sng" algn="ctr">
+                      <a:solidFill>
+                        <a:schemeClr val="tx1"/>
+                      </a:solidFill>
+                      <a:prstDash val="solid"/>
+                      <a:round/>
+                      <a:headEnd type="none" w="med" len="med"/>
+                      <a:tailEnd type="none" w="med" len="med"/>
+                    </a:lnR>
+                    <a:lnT w="12700" cap="flat" cmpd="sng" algn="ctr">
+                      <a:solidFill>
+                        <a:schemeClr val="tx1"/>
+                      </a:solidFill>
+                      <a:prstDash val="solid"/>
+                      <a:round/>
+                      <a:headEnd type="none" w="med" len="med"/>
+                      <a:tailEnd type="none" w="med" len="med"/>
+                    </a:lnT>
+                    <a:lnB w="12700" cap="flat" cmpd="sng" algn="ctr">
+                      <a:solidFill>
+                        <a:schemeClr val="tx1"/>
+                      </a:solidFill>
+                      <a:prstDash val="solid"/>
+                      <a:round/>
+                      <a:headEnd type="none" w="med" len="med"/>
+                      <a:tailEnd type="none" w="med" len="med"/>
+                    </a:lnB>
+                  </a:tcPr>
                 </a:tc>
                 <a:extLst>
                   <a:ext uri="{0D108BD9-81ED-4DB2-BD59-A6C34878D82A}">
@@ -3854,19 +4179,56 @@
                     <a:lstStyle/>
                     <a:p>
                       <a:r>
-                        <a:rPr kumimoji="1" lang="ja-JP" altLang="en-US" sz="1100" dirty="0"/>
-                        <a:t>事後</a:t>
-                      </a:r>
-                      <a:endParaRPr kumimoji="1" lang="en-US" altLang="ja-JP" sz="1100" dirty="0"/>
-                    </a:p>
-                    <a:p>
-                      <a:r>
-                        <a:rPr kumimoji="1" lang="ja-JP" altLang="en-US" sz="1100" dirty="0"/>
-                        <a:t>条件</a:t>
+                        <a:rPr kumimoji="1" lang="ja-JP" altLang="en-US" sz="1100" b="1" dirty="0">
+                          <a:solidFill>
+                            <a:schemeClr val="bg1"/>
+                          </a:solidFill>
+                        </a:rPr>
+                        <a:t>事後条件</a:t>
                       </a:r>
                     </a:p>
                   </a:txBody>
-                  <a:tcPr/>
+                  <a:tcPr>
+                    <a:lnL w="12700" cap="flat" cmpd="sng" algn="ctr">
+                      <a:solidFill>
+                        <a:schemeClr val="tx1"/>
+                      </a:solidFill>
+                      <a:prstDash val="solid"/>
+                      <a:round/>
+                      <a:headEnd type="none" w="med" len="med"/>
+                      <a:tailEnd type="none" w="med" len="med"/>
+                    </a:lnL>
+                    <a:lnR w="12700" cap="flat" cmpd="sng" algn="ctr">
+                      <a:solidFill>
+                        <a:schemeClr val="tx1"/>
+                      </a:solidFill>
+                      <a:prstDash val="solid"/>
+                      <a:round/>
+                      <a:headEnd type="none" w="med" len="med"/>
+                      <a:tailEnd type="none" w="med" len="med"/>
+                    </a:lnR>
+                    <a:lnT w="12700" cap="flat" cmpd="sng" algn="ctr">
+                      <a:solidFill>
+                        <a:schemeClr val="tx1"/>
+                      </a:solidFill>
+                      <a:prstDash val="solid"/>
+                      <a:round/>
+                      <a:headEnd type="none" w="med" len="med"/>
+                      <a:tailEnd type="none" w="med" len="med"/>
+                    </a:lnT>
+                    <a:lnB w="12700" cap="flat" cmpd="sng" algn="ctr">
+                      <a:solidFill>
+                        <a:schemeClr val="tx1"/>
+                      </a:solidFill>
+                      <a:prstDash val="solid"/>
+                      <a:round/>
+                      <a:headEnd type="none" w="med" len="med"/>
+                      <a:tailEnd type="none" w="med" len="med"/>
+                    </a:lnB>
+                    <a:solidFill>
+                      <a:schemeClr val="accent1"/>
+                    </a:solidFill>
+                  </a:tcPr>
                 </a:tc>
                 <a:tc>
                   <a:txBody>
@@ -3879,7 +4241,44 @@
                       </a:r>
                     </a:p>
                   </a:txBody>
-                  <a:tcPr/>
+                  <a:tcPr>
+                    <a:lnL w="12700" cap="flat" cmpd="sng" algn="ctr">
+                      <a:solidFill>
+                        <a:schemeClr val="tx1"/>
+                      </a:solidFill>
+                      <a:prstDash val="solid"/>
+                      <a:round/>
+                      <a:headEnd type="none" w="med" len="med"/>
+                      <a:tailEnd type="none" w="med" len="med"/>
+                    </a:lnL>
+                    <a:lnR w="12700" cap="flat" cmpd="sng" algn="ctr">
+                      <a:solidFill>
+                        <a:schemeClr val="tx1"/>
+                      </a:solidFill>
+                      <a:prstDash val="solid"/>
+                      <a:round/>
+                      <a:headEnd type="none" w="med" len="med"/>
+                      <a:tailEnd type="none" w="med" len="med"/>
+                    </a:lnR>
+                    <a:lnT w="12700" cap="flat" cmpd="sng" algn="ctr">
+                      <a:solidFill>
+                        <a:schemeClr val="tx1"/>
+                      </a:solidFill>
+                      <a:prstDash val="solid"/>
+                      <a:round/>
+                      <a:headEnd type="none" w="med" len="med"/>
+                      <a:tailEnd type="none" w="med" len="med"/>
+                    </a:lnT>
+                    <a:lnB w="12700" cap="flat" cmpd="sng" algn="ctr">
+                      <a:solidFill>
+                        <a:schemeClr val="tx1"/>
+                      </a:solidFill>
+                      <a:prstDash val="solid"/>
+                      <a:round/>
+                      <a:headEnd type="none" w="med" len="med"/>
+                      <a:tailEnd type="none" w="med" len="med"/>
+                    </a:lnB>
+                  </a:tcPr>
                 </a:tc>
                 <a:extLst>
                   <a:ext uri="{0D108BD9-81ED-4DB2-BD59-A6C34878D82A}">
@@ -3894,19 +4293,56 @@
                     <a:lstStyle/>
                     <a:p>
                       <a:r>
-                        <a:rPr kumimoji="1" lang="ja-JP" altLang="en-US" sz="1100" dirty="0"/>
-                        <a:t>基本</a:t>
-                      </a:r>
-                      <a:endParaRPr kumimoji="1" lang="en-US" altLang="ja-JP" sz="1100" dirty="0"/>
-                    </a:p>
-                    <a:p>
-                      <a:r>
-                        <a:rPr kumimoji="1" lang="ja-JP" altLang="en-US" sz="1100" dirty="0"/>
-                        <a:t>フロー</a:t>
+                        <a:rPr kumimoji="1" lang="ja-JP" altLang="en-US" sz="1100" b="1" dirty="0">
+                          <a:solidFill>
+                            <a:schemeClr val="bg1"/>
+                          </a:solidFill>
+                        </a:rPr>
+                        <a:t>基本フロー</a:t>
                       </a:r>
                     </a:p>
                   </a:txBody>
-                  <a:tcPr/>
+                  <a:tcPr>
+                    <a:lnL w="12700" cap="flat" cmpd="sng" algn="ctr">
+                      <a:solidFill>
+                        <a:schemeClr val="tx1"/>
+                      </a:solidFill>
+                      <a:prstDash val="solid"/>
+                      <a:round/>
+                      <a:headEnd type="none" w="med" len="med"/>
+                      <a:tailEnd type="none" w="med" len="med"/>
+                    </a:lnL>
+                    <a:lnR w="12700" cap="flat" cmpd="sng" algn="ctr">
+                      <a:solidFill>
+                        <a:schemeClr val="tx1"/>
+                      </a:solidFill>
+                      <a:prstDash val="solid"/>
+                      <a:round/>
+                      <a:headEnd type="none" w="med" len="med"/>
+                      <a:tailEnd type="none" w="med" len="med"/>
+                    </a:lnR>
+                    <a:lnT w="12700" cap="flat" cmpd="sng" algn="ctr">
+                      <a:solidFill>
+                        <a:schemeClr val="tx1"/>
+                      </a:solidFill>
+                      <a:prstDash val="solid"/>
+                      <a:round/>
+                      <a:headEnd type="none" w="med" len="med"/>
+                      <a:tailEnd type="none" w="med" len="med"/>
+                    </a:lnT>
+                    <a:lnB w="12700" cap="flat" cmpd="sng" algn="ctr">
+                      <a:solidFill>
+                        <a:schemeClr val="tx1"/>
+                      </a:solidFill>
+                      <a:prstDash val="solid"/>
+                      <a:round/>
+                      <a:headEnd type="none" w="med" len="med"/>
+                      <a:tailEnd type="none" w="med" len="med"/>
+                    </a:lnB>
+                    <a:solidFill>
+                      <a:schemeClr val="accent1"/>
+                    </a:solidFill>
+                  </a:tcPr>
                 </a:tc>
                 <a:tc>
                   <a:txBody>
@@ -3915,51 +4351,84 @@
                     <a:p>
                       <a:r>
                         <a:rPr kumimoji="1" lang="ja-JP" altLang="en-US" sz="1100" dirty="0"/>
-                        <a:t>①競技者はバーチャル運転手にマップ情報を伝えて運転を依頼する</a:t>
+                        <a:t>①競技者はバーチャル運転手にマップ情報を伝えてダブルループの攻略を依頼する</a:t>
                       </a:r>
-                      <a:r>
-                        <a:rPr kumimoji="1" lang="en-US" altLang="ja-JP" sz="1100" dirty="0"/>
-                        <a:t>(UC_001)</a:t>
-                      </a:r>
+                      <a:endParaRPr kumimoji="1" lang="en-US" altLang="ja-JP" sz="1100" dirty="0"/>
                     </a:p>
                     <a:p>
                       <a:r>
                         <a:rPr kumimoji="1" lang="ja-JP" altLang="en-US" sz="1100" dirty="0"/>
-                        <a:t>②バーチャル運転手はマップを記憶する</a:t>
+                        <a:t>②バーチャル運転手はマップ情報を記憶する</a:t>
                       </a:r>
-                      <a:r>
-                        <a:rPr kumimoji="1" lang="en-US" altLang="ja-JP" sz="1100" dirty="0"/>
-                        <a:t>(UC_005)</a:t>
-                      </a:r>
+                      <a:endParaRPr kumimoji="1" lang="en-US" altLang="ja-JP" sz="1100" dirty="0"/>
                     </a:p>
                     <a:p>
                       <a:r>
                         <a:rPr kumimoji="1" lang="ja-JP" altLang="en-US" sz="1100" dirty="0"/>
                         <a:t>③バーチャル運転手はラインに沿って走行体を走行させる</a:t>
                       </a:r>
-                      <a:r>
-                        <a:rPr kumimoji="1" lang="en-US" altLang="ja-JP" sz="1100" dirty="0"/>
-                        <a:t>(UC_002)</a:t>
-                      </a:r>
+                      <a:endParaRPr kumimoji="1" lang="en-US" altLang="ja-JP" sz="1100" dirty="0"/>
                     </a:p>
                     <a:p>
                       <a:r>
                         <a:rPr kumimoji="1" lang="ja-JP" altLang="en-US" sz="1100" dirty="0"/>
                         <a:t>④走行体が分岐合図を検知した場合、バーチャル運転手はマップ情報に基づいて進路を決定する</a:t>
                       </a:r>
-                      <a:r>
-                        <a:rPr kumimoji="1" lang="en-US" altLang="ja-JP" sz="1100" dirty="0"/>
-                        <a:t>(UC_004)</a:t>
-                      </a:r>
+                      <a:endParaRPr kumimoji="1" lang="en-US" altLang="ja-JP" sz="1100" dirty="0"/>
                     </a:p>
                     <a:p>
                       <a:r>
                         <a:rPr kumimoji="1" lang="ja-JP" altLang="en-US" sz="1100" dirty="0"/>
-                        <a:t>⑤上記②～④を目的地に到達するまで繰り返す</a:t>
+                        <a:t>⑤バーチャル運転手は与えられたマップ情報の終了まで上記③</a:t>
+                      </a:r>
+                      <a:r>
+                        <a:rPr kumimoji="1" lang="en-US" altLang="ja-JP" sz="1100" dirty="0"/>
+                        <a:t>,</a:t>
+                      </a:r>
+                      <a:r>
+                        <a:rPr kumimoji="1" lang="ja-JP" altLang="en-US" sz="1100" dirty="0"/>
+                        <a:t>④をするまで繰り返す</a:t>
                       </a:r>
                     </a:p>
                   </a:txBody>
-                  <a:tcPr/>
+                  <a:tcPr>
+                    <a:lnL w="12700" cap="flat" cmpd="sng" algn="ctr">
+                      <a:solidFill>
+                        <a:schemeClr val="tx1"/>
+                      </a:solidFill>
+                      <a:prstDash val="solid"/>
+                      <a:round/>
+                      <a:headEnd type="none" w="med" len="med"/>
+                      <a:tailEnd type="none" w="med" len="med"/>
+                    </a:lnL>
+                    <a:lnR w="12700" cap="flat" cmpd="sng" algn="ctr">
+                      <a:solidFill>
+                        <a:schemeClr val="tx1"/>
+                      </a:solidFill>
+                      <a:prstDash val="solid"/>
+                      <a:round/>
+                      <a:headEnd type="none" w="med" len="med"/>
+                      <a:tailEnd type="none" w="med" len="med"/>
+                    </a:lnR>
+                    <a:lnT w="12700" cap="flat" cmpd="sng" algn="ctr">
+                      <a:solidFill>
+                        <a:schemeClr val="tx1"/>
+                      </a:solidFill>
+                      <a:prstDash val="solid"/>
+                      <a:round/>
+                      <a:headEnd type="none" w="med" len="med"/>
+                      <a:tailEnd type="none" w="med" len="med"/>
+                    </a:lnT>
+                    <a:lnB w="12700" cap="flat" cmpd="sng" algn="ctr">
+                      <a:solidFill>
+                        <a:schemeClr val="tx1"/>
+                      </a:solidFill>
+                      <a:prstDash val="solid"/>
+                      <a:round/>
+                      <a:headEnd type="none" w="med" len="med"/>
+                      <a:tailEnd type="none" w="med" len="med"/>
+                    </a:lnB>
+                  </a:tcPr>
                 </a:tc>
                 <a:extLst>
                   <a:ext uri="{0D108BD9-81ED-4DB2-BD59-A6C34878D82A}">
@@ -3974,19 +4443,56 @@
                     <a:lstStyle/>
                     <a:p>
                       <a:r>
-                        <a:rPr kumimoji="1" lang="ja-JP" altLang="en-US" sz="1100" dirty="0"/>
-                        <a:t>代替</a:t>
-                      </a:r>
-                      <a:endParaRPr kumimoji="1" lang="en-US" altLang="ja-JP" sz="1100" dirty="0"/>
-                    </a:p>
-                    <a:p>
-                      <a:r>
-                        <a:rPr kumimoji="1" lang="ja-JP" altLang="en-US" sz="1100" dirty="0"/>
-                        <a:t>フロー</a:t>
+                        <a:rPr kumimoji="1" lang="ja-JP" altLang="en-US" sz="1100" b="1" dirty="0">
+                          <a:solidFill>
+                            <a:schemeClr val="bg1"/>
+                          </a:solidFill>
+                        </a:rPr>
+                        <a:t>代替フロー</a:t>
                       </a:r>
                     </a:p>
                   </a:txBody>
-                  <a:tcPr/>
+                  <a:tcPr>
+                    <a:lnL w="12700" cap="flat" cmpd="sng" algn="ctr">
+                      <a:solidFill>
+                        <a:schemeClr val="tx1"/>
+                      </a:solidFill>
+                      <a:prstDash val="solid"/>
+                      <a:round/>
+                      <a:headEnd type="none" w="med" len="med"/>
+                      <a:tailEnd type="none" w="med" len="med"/>
+                    </a:lnL>
+                    <a:lnR w="12700" cap="flat" cmpd="sng" algn="ctr">
+                      <a:solidFill>
+                        <a:schemeClr val="tx1"/>
+                      </a:solidFill>
+                      <a:prstDash val="solid"/>
+                      <a:round/>
+                      <a:headEnd type="none" w="med" len="med"/>
+                      <a:tailEnd type="none" w="med" len="med"/>
+                    </a:lnR>
+                    <a:lnT w="12700" cap="flat" cmpd="sng" algn="ctr">
+                      <a:solidFill>
+                        <a:schemeClr val="tx1"/>
+                      </a:solidFill>
+                      <a:prstDash val="solid"/>
+                      <a:round/>
+                      <a:headEnd type="none" w="med" len="med"/>
+                      <a:tailEnd type="none" w="med" len="med"/>
+                    </a:lnT>
+                    <a:lnB w="12700" cap="flat" cmpd="sng" algn="ctr">
+                      <a:solidFill>
+                        <a:schemeClr val="tx1"/>
+                      </a:solidFill>
+                      <a:prstDash val="solid"/>
+                      <a:round/>
+                      <a:headEnd type="none" w="med" len="med"/>
+                      <a:tailEnd type="none" w="med" len="med"/>
+                    </a:lnB>
+                    <a:solidFill>
+                      <a:schemeClr val="accent1"/>
+                    </a:solidFill>
+                  </a:tcPr>
                 </a:tc>
                 <a:tc>
                   <a:txBody>
@@ -3997,21 +4503,47 @@
                         <a:rPr kumimoji="1" lang="ja-JP" altLang="en-US" sz="1100" dirty="0"/>
                         <a:t>基本フロー③にて走行体がライン上から逸脱した場合、直前の動作を巻き戻してライン上に復帰する</a:t>
                       </a:r>
-                      <a:r>
-                        <a:rPr kumimoji="1" lang="en-US" altLang="ja-JP" sz="1100" dirty="0"/>
-                        <a:t>(</a:t>
-                      </a:r>
-                      <a:r>
-                        <a:rPr kumimoji="1" lang="ja-JP" altLang="en-US" sz="1100" dirty="0"/>
-                        <a:t>緩和</a:t>
-                      </a:r>
-                      <a:r>
-                        <a:rPr kumimoji="1" lang="en-US" altLang="ja-JP" sz="1100" dirty="0"/>
-                        <a:t>UC_001)</a:t>
-                      </a:r>
+                      <a:endParaRPr kumimoji="1" lang="en-US" altLang="ja-JP" sz="1100" dirty="0"/>
                     </a:p>
                   </a:txBody>
-                  <a:tcPr/>
+                  <a:tcPr>
+                    <a:lnL w="12700" cap="flat" cmpd="sng" algn="ctr">
+                      <a:solidFill>
+                        <a:schemeClr val="tx1"/>
+                      </a:solidFill>
+                      <a:prstDash val="solid"/>
+                      <a:round/>
+                      <a:headEnd type="none" w="med" len="med"/>
+                      <a:tailEnd type="none" w="med" len="med"/>
+                    </a:lnL>
+                    <a:lnR w="12700" cap="flat" cmpd="sng" algn="ctr">
+                      <a:solidFill>
+                        <a:schemeClr val="tx1"/>
+                      </a:solidFill>
+                      <a:prstDash val="solid"/>
+                      <a:round/>
+                      <a:headEnd type="none" w="med" len="med"/>
+                      <a:tailEnd type="none" w="med" len="med"/>
+                    </a:lnR>
+                    <a:lnT w="12700" cap="flat" cmpd="sng" algn="ctr">
+                      <a:solidFill>
+                        <a:schemeClr val="tx1"/>
+                      </a:solidFill>
+                      <a:prstDash val="solid"/>
+                      <a:round/>
+                      <a:headEnd type="none" w="med" len="med"/>
+                      <a:tailEnd type="none" w="med" len="med"/>
+                    </a:lnT>
+                    <a:lnB w="12700" cap="flat" cmpd="sng" algn="ctr">
+                      <a:solidFill>
+                        <a:schemeClr val="tx1"/>
+                      </a:solidFill>
+                      <a:prstDash val="solid"/>
+                      <a:round/>
+                      <a:headEnd type="none" w="med" len="med"/>
+                      <a:tailEnd type="none" w="med" len="med"/>
+                    </a:lnB>
+                  </a:tcPr>
                 </a:tc>
                 <a:extLst>
                   <a:ext uri="{0D108BD9-81ED-4DB2-BD59-A6C34878D82A}">

--- a/model/素材/2.2.2_ユースケース記述.pptx
+++ b/model/素材/2.2.2_ユースケース記述.pptx
@@ -259,7 +259,7 @@
           <a:p>
             <a:fld id="{D19E4E15-3BC5-45B9-8454-684F40C4C011}" type="datetimeFigureOut">
               <a:rPr kumimoji="1" lang="ja-JP" altLang="en-US" smtClean="0"/>
-              <a:t>2025/8/16</a:t>
+              <a:t>2025/8/27</a:t>
             </a:fld>
             <a:endParaRPr kumimoji="1" lang="ja-JP" altLang="en-US"/>
           </a:p>
@@ -489,7 +489,7 @@
           <a:p>
             <a:fld id="{D19E4E15-3BC5-45B9-8454-684F40C4C011}" type="datetimeFigureOut">
               <a:rPr kumimoji="1" lang="ja-JP" altLang="en-US" smtClean="0"/>
-              <a:t>2025/8/16</a:t>
+              <a:t>2025/8/27</a:t>
             </a:fld>
             <a:endParaRPr kumimoji="1" lang="ja-JP" altLang="en-US"/>
           </a:p>
@@ -729,7 +729,7 @@
           <a:p>
             <a:fld id="{D19E4E15-3BC5-45B9-8454-684F40C4C011}" type="datetimeFigureOut">
               <a:rPr kumimoji="1" lang="ja-JP" altLang="en-US" smtClean="0"/>
-              <a:t>2025/8/16</a:t>
+              <a:t>2025/8/27</a:t>
             </a:fld>
             <a:endParaRPr kumimoji="1" lang="ja-JP" altLang="en-US"/>
           </a:p>
@@ -959,7 +959,7 @@
           <a:p>
             <a:fld id="{D19E4E15-3BC5-45B9-8454-684F40C4C011}" type="datetimeFigureOut">
               <a:rPr kumimoji="1" lang="ja-JP" altLang="en-US" smtClean="0"/>
-              <a:t>2025/8/16</a:t>
+              <a:t>2025/8/27</a:t>
             </a:fld>
             <a:endParaRPr kumimoji="1" lang="ja-JP" altLang="en-US"/>
           </a:p>
@@ -1234,7 +1234,7 @@
           <a:p>
             <a:fld id="{D19E4E15-3BC5-45B9-8454-684F40C4C011}" type="datetimeFigureOut">
               <a:rPr kumimoji="1" lang="ja-JP" altLang="en-US" smtClean="0"/>
-              <a:t>2025/8/16</a:t>
+              <a:t>2025/8/27</a:t>
             </a:fld>
             <a:endParaRPr kumimoji="1" lang="ja-JP" altLang="en-US"/>
           </a:p>
@@ -1563,7 +1563,7 @@
           <a:p>
             <a:fld id="{D19E4E15-3BC5-45B9-8454-684F40C4C011}" type="datetimeFigureOut">
               <a:rPr kumimoji="1" lang="ja-JP" altLang="en-US" smtClean="0"/>
-              <a:t>2025/8/16</a:t>
+              <a:t>2025/8/27</a:t>
             </a:fld>
             <a:endParaRPr kumimoji="1" lang="ja-JP" altLang="en-US"/>
           </a:p>
@@ -2039,7 +2039,7 @@
           <a:p>
             <a:fld id="{D19E4E15-3BC5-45B9-8454-684F40C4C011}" type="datetimeFigureOut">
               <a:rPr kumimoji="1" lang="ja-JP" altLang="en-US" smtClean="0"/>
-              <a:t>2025/8/16</a:t>
+              <a:t>2025/8/27</a:t>
             </a:fld>
             <a:endParaRPr kumimoji="1" lang="ja-JP" altLang="en-US"/>
           </a:p>
@@ -2180,7 +2180,7 @@
           <a:p>
             <a:fld id="{D19E4E15-3BC5-45B9-8454-684F40C4C011}" type="datetimeFigureOut">
               <a:rPr kumimoji="1" lang="ja-JP" altLang="en-US" smtClean="0"/>
-              <a:t>2025/8/16</a:t>
+              <a:t>2025/8/27</a:t>
             </a:fld>
             <a:endParaRPr kumimoji="1" lang="ja-JP" altLang="en-US"/>
           </a:p>
@@ -2293,7 +2293,7 @@
           <a:p>
             <a:fld id="{D19E4E15-3BC5-45B9-8454-684F40C4C011}" type="datetimeFigureOut">
               <a:rPr kumimoji="1" lang="ja-JP" altLang="en-US" smtClean="0"/>
-              <a:t>2025/8/16</a:t>
+              <a:t>2025/8/27</a:t>
             </a:fld>
             <a:endParaRPr kumimoji="1" lang="ja-JP" altLang="en-US"/>
           </a:p>
@@ -2636,7 +2636,7 @@
           <a:p>
             <a:fld id="{D19E4E15-3BC5-45B9-8454-684F40C4C011}" type="datetimeFigureOut">
               <a:rPr kumimoji="1" lang="ja-JP" altLang="en-US" smtClean="0"/>
-              <a:t>2025/8/16</a:t>
+              <a:t>2025/8/27</a:t>
             </a:fld>
             <a:endParaRPr kumimoji="1" lang="ja-JP" altLang="en-US"/>
           </a:p>
@@ -2924,7 +2924,7 @@
           <a:p>
             <a:fld id="{D19E4E15-3BC5-45B9-8454-684F40C4C011}" type="datetimeFigureOut">
               <a:rPr kumimoji="1" lang="ja-JP" altLang="en-US" smtClean="0"/>
-              <a:t>2025/8/16</a:t>
+              <a:t>2025/8/27</a:t>
             </a:fld>
             <a:endParaRPr kumimoji="1" lang="ja-JP" altLang="en-US"/>
           </a:p>
@@ -3197,7 +3197,7 @@
           <a:p>
             <a:fld id="{D19E4E15-3BC5-45B9-8454-684F40C4C011}" type="datetimeFigureOut">
               <a:rPr kumimoji="1" lang="ja-JP" altLang="en-US" smtClean="0"/>
-              <a:t>2025/8/16</a:t>
+              <a:t>2025/8/27</a:t>
             </a:fld>
             <a:endParaRPr kumimoji="1" lang="ja-JP" altLang="en-US"/>
           </a:p>
@@ -3629,14 +3629,14 @@
           <p:nvPr>
             <p:extLst>
               <p:ext uri="{D42A27DB-BD31-4B8C-83A1-F6EECF244321}">
-                <p14:modId xmlns:p14="http://schemas.microsoft.com/office/powerpoint/2010/main" val="1769230971"/>
+                <p14:modId xmlns:p14="http://schemas.microsoft.com/office/powerpoint/2010/main" val="3625981439"/>
               </p:ext>
             </p:extLst>
           </p:nvPr>
         </p:nvGraphicFramePr>
         <p:xfrm>
           <a:off x="2317790" y="233680"/>
-          <a:ext cx="3235285" cy="6187440"/>
+          <a:ext cx="3120484" cy="6019800"/>
         </p:xfrm>
         <a:graphic>
           <a:graphicData uri="http://schemas.openxmlformats.org/drawingml/2006/table">
@@ -3645,14 +3645,14 @@
                 <a:tableStyleId>{5C22544A-7EE6-4342-B048-85BDC9FD1C3A}</a:tableStyleId>
               </a:tblPr>
               <a:tblGrid>
-                <a:gridCol w="939760">
+                <a:gridCol w="834484">
                   <a:extLst>
                     <a:ext uri="{9D8B030D-6E8A-4147-A177-3AD203B41FA5}">
                       <a16:colId xmlns:a16="http://schemas.microsoft.com/office/drawing/2014/main" val="96474671"/>
                     </a:ext>
                   </a:extLst>
                 </a:gridCol>
-                <a:gridCol w="2295525">
+                <a:gridCol w="2286000">
                   <a:extLst>
                     <a:ext uri="{9D8B030D-6E8A-4147-A177-3AD203B41FA5}">
                       <a16:colId xmlns:a16="http://schemas.microsoft.com/office/drawing/2014/main" val="2101071696"/>
@@ -3871,14 +3871,14 @@
                       </a:r>
                       <a:r>
                         <a:rPr kumimoji="1" lang="ja-JP" altLang="en-US" sz="1100" dirty="0"/>
-                        <a:t>とともにをバーチャル運転手にダブルループの攻略を依頼する。</a:t>
+                        <a:t>とともにをバーチャル運転手にダブルループの攻略を依頼する</a:t>
                       </a:r>
                       <a:endParaRPr kumimoji="1" lang="en-US" altLang="ja-JP" sz="1100" dirty="0"/>
                     </a:p>
                     <a:p>
                       <a:r>
                         <a:rPr kumimoji="1" lang="ja-JP" altLang="en-US" sz="1100" dirty="0"/>
-                        <a:t>バーチャル運転手はマップ情報を基にダブルループに侵入し、各ゲートを正しい方向から</a:t>
+                        <a:t>バーチャル運転手はマップ情報を基にダブルループに侵入し各ゲートを正しい方向から</a:t>
                       </a:r>
                       <a:r>
                         <a:rPr kumimoji="1" lang="en-US" altLang="ja-JP" sz="1100" dirty="0"/>
@@ -3886,7 +3886,7 @@
                       </a:r>
                       <a:r>
                         <a:rPr kumimoji="1" lang="ja-JP" altLang="en-US" sz="1100" dirty="0"/>
-                        <a:t>度のみ通過した後、ダブルループを脱出する。</a:t>
+                        <a:t>度のみ通過後にダブルループを脱出する</a:t>
                       </a:r>
                       <a:endParaRPr kumimoji="1" lang="en-US" altLang="ja-JP" sz="1100" dirty="0"/>
                     </a:p>
@@ -4298,7 +4298,22 @@
                             <a:schemeClr val="bg1"/>
                           </a:solidFill>
                         </a:rPr>
-                        <a:t>基本フロー</a:t>
+                        <a:t>基本</a:t>
+                      </a:r>
+                      <a:endParaRPr kumimoji="1" lang="en-US" altLang="ja-JP" sz="1100" b="1" dirty="0">
+                        <a:solidFill>
+                          <a:schemeClr val="bg1"/>
+                        </a:solidFill>
+                      </a:endParaRPr>
+                    </a:p>
+                    <a:p>
+                      <a:r>
+                        <a:rPr kumimoji="1" lang="ja-JP" altLang="en-US" sz="1100" b="1" dirty="0">
+                          <a:solidFill>
+                            <a:schemeClr val="bg1"/>
+                          </a:solidFill>
+                        </a:rPr>
+                        <a:t>フロー</a:t>
                       </a:r>
                     </a:p>
                   </a:txBody>
@@ -4448,7 +4463,22 @@
                             <a:schemeClr val="bg1"/>
                           </a:solidFill>
                         </a:rPr>
-                        <a:t>代替フロー</a:t>
+                        <a:t>代替</a:t>
+                      </a:r>
+                      <a:endParaRPr kumimoji="1" lang="en-US" altLang="ja-JP" sz="1100" b="1" dirty="0">
+                        <a:solidFill>
+                          <a:schemeClr val="bg1"/>
+                        </a:solidFill>
+                      </a:endParaRPr>
+                    </a:p>
+                    <a:p>
+                      <a:r>
+                        <a:rPr kumimoji="1" lang="ja-JP" altLang="en-US" sz="1100" b="1" dirty="0">
+                          <a:solidFill>
+                            <a:schemeClr val="bg1"/>
+                          </a:solidFill>
+                        </a:rPr>
+                        <a:t>フロー</a:t>
                       </a:r>
                     </a:p>
                   </a:txBody>
